--- a/44大使命.pptx
+++ b/44大使命.pptx
@@ -214,7 +214,7 @@
           <a:p>
             <a:fld id="{DFA80901-CC2F-4455-BB9E-5501325C9B38}" type="datetimeFigureOut">
               <a:rPr lang="vi-VN" smtClean="0"/>
-              <a:t>06/06/2020</a:t>
+              <a:t>21/10/2023</a:t>
             </a:fld>
             <a:endParaRPr lang="vi-VN"/>
           </a:p>
@@ -664,7 +664,7 @@
             <a:fld id="{86B5546F-C09B-4E63-ABC5-F7C86A7E8D66}" type="datetimeFigureOut">
               <a:rPr lang="en-US" smtClean="0"/>
               <a:pPr/>
-              <a:t>6/6/2020</a:t>
+              <a:t>10/21/2023</a:t>
             </a:fld>
             <a:endParaRPr lang="en-US"/>
           </a:p>
@@ -836,7 +836,7 @@
             <a:fld id="{86B5546F-C09B-4E63-ABC5-F7C86A7E8D66}" type="datetimeFigureOut">
               <a:rPr lang="en-US" smtClean="0"/>
               <a:pPr/>
-              <a:t>6/6/2020</a:t>
+              <a:t>10/21/2023</a:t>
             </a:fld>
             <a:endParaRPr lang="en-US"/>
           </a:p>
@@ -1018,7 +1018,7 @@
             <a:fld id="{86B5546F-C09B-4E63-ABC5-F7C86A7E8D66}" type="datetimeFigureOut">
               <a:rPr lang="en-US" smtClean="0"/>
               <a:pPr/>
-              <a:t>6/6/2020</a:t>
+              <a:t>10/21/2023</a:t>
             </a:fld>
             <a:endParaRPr lang="en-US"/>
           </a:p>
@@ -1190,7 +1190,7 @@
             <a:fld id="{86B5546F-C09B-4E63-ABC5-F7C86A7E8D66}" type="datetimeFigureOut">
               <a:rPr lang="en-US" smtClean="0"/>
               <a:pPr/>
-              <a:t>6/6/2020</a:t>
+              <a:t>10/21/2023</a:t>
             </a:fld>
             <a:endParaRPr lang="en-US"/>
           </a:p>
@@ -1438,7 +1438,7 @@
             <a:fld id="{86B5546F-C09B-4E63-ABC5-F7C86A7E8D66}" type="datetimeFigureOut">
               <a:rPr lang="en-US" smtClean="0"/>
               <a:pPr/>
-              <a:t>6/6/2020</a:t>
+              <a:t>10/21/2023</a:t>
             </a:fld>
             <a:endParaRPr lang="en-US"/>
           </a:p>
@@ -1728,7 +1728,7 @@
             <a:fld id="{86B5546F-C09B-4E63-ABC5-F7C86A7E8D66}" type="datetimeFigureOut">
               <a:rPr lang="en-US" smtClean="0"/>
               <a:pPr/>
-              <a:t>6/6/2020</a:t>
+              <a:t>10/21/2023</a:t>
             </a:fld>
             <a:endParaRPr lang="en-US"/>
           </a:p>
@@ -2152,7 +2152,7 @@
             <a:fld id="{86B5546F-C09B-4E63-ABC5-F7C86A7E8D66}" type="datetimeFigureOut">
               <a:rPr lang="en-US" smtClean="0"/>
               <a:pPr/>
-              <a:t>6/6/2020</a:t>
+              <a:t>10/21/2023</a:t>
             </a:fld>
             <a:endParaRPr lang="en-US"/>
           </a:p>
@@ -2272,7 +2272,7 @@
             <a:fld id="{86B5546F-C09B-4E63-ABC5-F7C86A7E8D66}" type="datetimeFigureOut">
               <a:rPr lang="en-US" smtClean="0"/>
               <a:pPr/>
-              <a:t>6/6/2020</a:t>
+              <a:t>10/21/2023</a:t>
             </a:fld>
             <a:endParaRPr lang="en-US"/>
           </a:p>
@@ -2369,7 +2369,7 @@
             <a:fld id="{86B5546F-C09B-4E63-ABC5-F7C86A7E8D66}" type="datetimeFigureOut">
               <a:rPr lang="en-US" smtClean="0"/>
               <a:pPr/>
-              <a:t>6/6/2020</a:t>
+              <a:t>10/21/2023</a:t>
             </a:fld>
             <a:endParaRPr lang="en-US"/>
           </a:p>
@@ -2648,7 +2648,7 @@
             <a:fld id="{86B5546F-C09B-4E63-ABC5-F7C86A7E8D66}" type="datetimeFigureOut">
               <a:rPr lang="en-US" smtClean="0"/>
               <a:pPr/>
-              <a:t>6/6/2020</a:t>
+              <a:t>10/21/2023</a:t>
             </a:fld>
             <a:endParaRPr lang="en-US"/>
           </a:p>
@@ -2907,7 +2907,7 @@
             <a:fld id="{86B5546F-C09B-4E63-ABC5-F7C86A7E8D66}" type="datetimeFigureOut">
               <a:rPr lang="en-US" smtClean="0"/>
               <a:pPr/>
-              <a:t>6/6/2020</a:t>
+              <a:t>10/21/2023</a:t>
             </a:fld>
             <a:endParaRPr lang="en-US"/>
           </a:p>
@@ -3127,7 +3127,7 @@
             <a:fld id="{86B5546F-C09B-4E63-ABC5-F7C86A7E8D66}" type="datetimeFigureOut">
               <a:rPr lang="en-US" smtClean="0"/>
               <a:pPr/>
-              <a:t>6/6/2020</a:t>
+              <a:t>10/21/2023</a:t>
             </a:fld>
             <a:endParaRPr lang="en-US"/>
           </a:p>
@@ -3773,7 +3773,7 @@
             <a:r>
               <a:rPr lang="zh-TW" altLang="en-US" sz="6400" dirty="0">
                 <a:solidFill>
-                  <a:srgbClr val="002060"/>
+                  <a:srgbClr val="000066"/>
                 </a:solidFill>
                 <a:latin typeface="微軟正黑體" pitchFamily="34" charset="-120"/>
                 <a:ea typeface="微軟正黑體" pitchFamily="34" charset="-120"/>
@@ -3783,7 +3783,7 @@
             <a:r>
               <a:rPr lang="en-US" altLang="zh-TW" sz="6400" dirty="0">
                 <a:solidFill>
-                  <a:srgbClr val="002060"/>
+                  <a:srgbClr val="000066"/>
                 </a:solidFill>
                 <a:latin typeface="微軟正黑體" pitchFamily="34" charset="-120"/>
                 <a:ea typeface="微軟正黑體" pitchFamily="34" charset="-120"/>
@@ -3855,7 +3855,7 @@
             <a:r>
               <a:rPr lang="zh-TW" altLang="en-US" sz="6400" b="1" dirty="0">
                 <a:solidFill>
-                  <a:srgbClr val="002060"/>
+                  <a:srgbClr val="000066"/>
                 </a:solidFill>
                 <a:latin typeface="微軟正黑體" pitchFamily="34" charset="-120"/>
                 <a:ea typeface="微軟正黑體" pitchFamily="34" charset="-120"/>
@@ -3865,7 +3865,7 @@
             <a:r>
               <a:rPr lang="en-US" altLang="zh-TW" sz="6400" b="1" dirty="0">
                 <a:solidFill>
-                  <a:srgbClr val="002060"/>
+                  <a:srgbClr val="000066"/>
                 </a:solidFill>
                 <a:latin typeface="微軟正黑體" pitchFamily="34" charset="-120"/>
                 <a:ea typeface="微軟正黑體" pitchFamily="34" charset="-120"/>
@@ -3937,7 +3937,7 @@
             <a:r>
               <a:rPr lang="zh-TW" altLang="en-US" sz="6400" dirty="0">
                 <a:solidFill>
-                  <a:srgbClr val="002060"/>
+                  <a:srgbClr val="000066"/>
                 </a:solidFill>
                 <a:latin typeface="微軟正黑體" pitchFamily="34" charset="-120"/>
                 <a:ea typeface="微軟正黑體" pitchFamily="34" charset="-120"/>
@@ -3947,7 +3947,7 @@
             <a:r>
               <a:rPr lang="en-US" altLang="zh-TW" sz="6400" dirty="0">
                 <a:solidFill>
-                  <a:srgbClr val="002060"/>
+                  <a:srgbClr val="000066"/>
                 </a:solidFill>
                 <a:latin typeface="微軟正黑體" pitchFamily="34" charset="-120"/>
                 <a:ea typeface="微軟正黑體" pitchFamily="34" charset="-120"/>
@@ -3957,7 +3957,7 @@
             <a:r>
               <a:rPr lang="zh-TW" altLang="en-US" sz="6400" dirty="0">
                 <a:solidFill>
-                  <a:srgbClr val="002060"/>
+                  <a:srgbClr val="000066"/>
                 </a:solidFill>
                 <a:latin typeface="微軟正黑體" pitchFamily="34" charset="-120"/>
                 <a:ea typeface="微軟正黑體" pitchFamily="34" charset="-120"/>
@@ -3966,7 +3966,7 @@
             </a:r>
             <a:endParaRPr lang="en-US" altLang="zh-TW" sz="6400" dirty="0">
               <a:solidFill>
-                <a:srgbClr val="002060"/>
+                <a:srgbClr val="000066"/>
               </a:solidFill>
               <a:latin typeface="微軟正黑體" pitchFamily="34" charset="-120"/>
               <a:ea typeface="微軟正黑體" pitchFamily="34" charset="-120"/>
@@ -4036,7 +4036,7 @@
             <a:r>
               <a:rPr lang="zh-TW" altLang="en-US" sz="6400" b="1" dirty="0">
                 <a:solidFill>
-                  <a:srgbClr val="002060"/>
+                  <a:srgbClr val="000066"/>
                 </a:solidFill>
                 <a:latin typeface="微軟正黑體" pitchFamily="34" charset="-120"/>
                 <a:ea typeface="微軟正黑體" pitchFamily="34" charset="-120"/>
@@ -4046,7 +4046,7 @@
             <a:r>
               <a:rPr lang="en-US" altLang="zh-TW" sz="6400" b="1" dirty="0">
                 <a:solidFill>
-                  <a:srgbClr val="002060"/>
+                  <a:srgbClr val="000066"/>
                 </a:solidFill>
                 <a:latin typeface="微軟正黑體" pitchFamily="34" charset="-120"/>
                 <a:ea typeface="微軟正黑體" pitchFamily="34" charset="-120"/>
@@ -4058,7 +4058,7 @@
             <a:r>
               <a:rPr lang="zh-TW" altLang="en-US" sz="6400" dirty="0">
                 <a:solidFill>
-                  <a:srgbClr val="002060"/>
+                  <a:srgbClr val="000066"/>
                 </a:solidFill>
                 <a:latin typeface="微軟正黑體" pitchFamily="34" charset="-120"/>
                 <a:ea typeface="微軟正黑體" pitchFamily="34" charset="-120"/>
@@ -4068,7 +4068,7 @@
             <a:r>
               <a:rPr lang="en-US" altLang="zh-TW" sz="6400" dirty="0">
                 <a:solidFill>
-                  <a:srgbClr val="002060"/>
+                  <a:srgbClr val="000066"/>
                 </a:solidFill>
                 <a:latin typeface="微軟正黑體" pitchFamily="34" charset="-120"/>
                 <a:ea typeface="微軟正黑體" pitchFamily="34" charset="-120"/>
@@ -4140,7 +4140,7 @@
             <a:r>
               <a:rPr lang="zh-TW" altLang="en-US" sz="6400" b="1" dirty="0">
                 <a:solidFill>
-                  <a:srgbClr val="002060"/>
+                  <a:srgbClr val="000066"/>
                 </a:solidFill>
                 <a:latin typeface="微軟正黑體" pitchFamily="34" charset="-120"/>
                 <a:ea typeface="微軟正黑體" pitchFamily="34" charset="-120"/>
@@ -4149,7 +4149,7 @@
             </a:r>
             <a:endParaRPr lang="en-US" altLang="zh-TW" sz="6400" b="1" dirty="0">
               <a:solidFill>
-                <a:srgbClr val="002060"/>
+                <a:srgbClr val="000066"/>
               </a:solidFill>
               <a:latin typeface="微軟正黑體" pitchFamily="34" charset="-120"/>
               <a:ea typeface="微軟正黑體" pitchFamily="34" charset="-120"/>
@@ -4159,7 +4159,7 @@
             <a:r>
               <a:rPr lang="zh-TW" altLang="en-US" sz="6400" dirty="0">
                 <a:solidFill>
-                  <a:srgbClr val="002060"/>
+                  <a:srgbClr val="000066"/>
                 </a:solidFill>
                 <a:latin typeface="微軟正黑體" pitchFamily="34" charset="-120"/>
                 <a:ea typeface="微軟正黑體" pitchFamily="34" charset="-120"/>
@@ -4169,7 +4169,7 @@
             <a:r>
               <a:rPr lang="en-US" altLang="zh-TW" sz="6400" dirty="0">
                 <a:solidFill>
-                  <a:srgbClr val="002060"/>
+                  <a:srgbClr val="000066"/>
                 </a:solidFill>
                 <a:latin typeface="微軟正黑體" pitchFamily="34" charset="-120"/>
                 <a:ea typeface="微軟正黑體" pitchFamily="34" charset="-120"/>
@@ -4241,7 +4241,7 @@
             <a:r>
               <a:rPr lang="zh-TW" altLang="en-US" sz="6400" b="1" dirty="0">
                 <a:solidFill>
-                  <a:srgbClr val="002060"/>
+                  <a:srgbClr val="000066"/>
                 </a:solidFill>
                 <a:latin typeface="微軟正黑體" pitchFamily="34" charset="-120"/>
                 <a:ea typeface="微軟正黑體" pitchFamily="34" charset="-120"/>
@@ -4251,7 +4251,7 @@
             <a:r>
               <a:rPr lang="en-US" altLang="zh-TW" sz="6400" b="1" dirty="0">
                 <a:solidFill>
-                  <a:srgbClr val="002060"/>
+                  <a:srgbClr val="000066"/>
                 </a:solidFill>
                 <a:latin typeface="微軟正黑體" pitchFamily="34" charset="-120"/>
                 <a:ea typeface="微軟正黑體" pitchFamily="34" charset="-120"/>
